--- a/week5_assignment.pptx
+++ b/week5_assignment.pptx
@@ -3671,12 +3671,57 @@
           </a:p>
         </p:txBody>
       </p:sp>
+      <p:sp>
+        <p:nvSpPr>
+          <p:cNvPr id="8" name="TextBox 7">
+            <a:extLst>
+              <a:ext uri="{FF2B5EF4-FFF2-40B4-BE49-F238E27FC236}">
+                <a16:creationId xmlns:a16="http://schemas.microsoft.com/office/drawing/2014/main" id="{1943C77E-9DAC-43B6-9B1F-B9B3C4DF2DE5}"/>
+              </a:ext>
+            </a:extLst>
+          </p:cNvPr>
+          <p:cNvSpPr txBox="1"/>
+          <p:nvPr/>
+        </p:nvSpPr>
+        <p:spPr>
+          <a:xfrm>
+            <a:off x="7179413" y="2937078"/>
+            <a:ext cx="3606308" cy="1200329"/>
+          </a:xfrm>
+          <a:prstGeom prst="rect">
+            <a:avLst/>
+          </a:prstGeom>
+          <a:noFill/>
+        </p:spPr>
+        <p:txBody>
+          <a:bodyPr wrap="none" rtlCol="0">
+            <a:spAutoFit/>
+          </a:bodyPr>
+          <a:lstStyle/>
+          <a:p>
+            <a:r>
+              <a:rPr lang="en-US" altLang="ko-KR" sz="2400" dirty="0"/>
+              <a:t>Make historical variables</a:t>
+            </a:r>
+          </a:p>
+          <a:p>
+            <a:endParaRPr lang="en-US" altLang="ko-KR" sz="2400" dirty="0"/>
+          </a:p>
+          <a:p>
+            <a:r>
+              <a:rPr lang="en-US" altLang="ko-KR" sz="2400" dirty="0"/>
+              <a:t>Then add this to data </a:t>
+            </a:r>
+            <a:endParaRPr lang="ko-KR" altLang="en-US" sz="2400" dirty="0"/>
+          </a:p>
+        </p:txBody>
+      </p:sp>
       <p:pic>
         <p:nvPicPr>
-          <p:cNvPr id="3" name="그림 2">
-            <a:extLst>
-              <a:ext uri="{FF2B5EF4-FFF2-40B4-BE49-F238E27FC236}">
-                <a16:creationId xmlns:a16="http://schemas.microsoft.com/office/drawing/2014/main" id="{71A414AD-A440-4407-A191-A7DA302D356C}"/>
+          <p:cNvPr id="2" name="그림 1">
+            <a:extLst>
+              <a:ext uri="{FF2B5EF4-FFF2-40B4-BE49-F238E27FC236}">
+                <a16:creationId xmlns:a16="http://schemas.microsoft.com/office/drawing/2014/main" id="{050BF207-136A-4D9F-94A5-0F25F291E1EF}"/>
               </a:ext>
             </a:extLst>
           </p:cNvPr>
@@ -3693,59 +3738,14 @@
         </p:blipFill>
         <p:spPr>
           <a:xfrm>
-            <a:off x="1311420" y="971596"/>
-            <a:ext cx="5336044" cy="5747857"/>
+            <a:off x="730486" y="894802"/>
+            <a:ext cx="4611535" cy="5963846"/>
           </a:xfrm>
           <a:prstGeom prst="rect">
             <a:avLst/>
           </a:prstGeom>
         </p:spPr>
       </p:pic>
-      <p:sp>
-        <p:nvSpPr>
-          <p:cNvPr id="8" name="TextBox 7">
-            <a:extLst>
-              <a:ext uri="{FF2B5EF4-FFF2-40B4-BE49-F238E27FC236}">
-                <a16:creationId xmlns:a16="http://schemas.microsoft.com/office/drawing/2014/main" id="{1943C77E-9DAC-43B6-9B1F-B9B3C4DF2DE5}"/>
-              </a:ext>
-            </a:extLst>
-          </p:cNvPr>
-          <p:cNvSpPr txBox="1"/>
-          <p:nvPr/>
-        </p:nvSpPr>
-        <p:spPr>
-          <a:xfrm>
-            <a:off x="7179413" y="2937078"/>
-            <a:ext cx="3606308" cy="1200329"/>
-          </a:xfrm>
-          <a:prstGeom prst="rect">
-            <a:avLst/>
-          </a:prstGeom>
-          <a:noFill/>
-        </p:spPr>
-        <p:txBody>
-          <a:bodyPr wrap="none" rtlCol="0">
-            <a:spAutoFit/>
-          </a:bodyPr>
-          <a:lstStyle/>
-          <a:p>
-            <a:r>
-              <a:rPr lang="en-US" altLang="ko-KR" sz="2400" dirty="0"/>
-              <a:t>Make historical variables</a:t>
-            </a:r>
-          </a:p>
-          <a:p>
-            <a:endParaRPr lang="en-US" altLang="ko-KR" sz="2400" dirty="0"/>
-          </a:p>
-          <a:p>
-            <a:r>
-              <a:rPr lang="en-US" altLang="ko-KR" sz="2400" dirty="0"/>
-              <a:t>Then add this to data </a:t>
-            </a:r>
-            <a:endParaRPr lang="ko-KR" altLang="en-US" sz="2400" dirty="0"/>
-          </a:p>
-        </p:txBody>
-      </p:sp>
     </p:spTree>
     <p:extLst>
       <p:ext uri="{BB962C8B-B14F-4D97-AF65-F5344CB8AC3E}">
@@ -4238,10 +4238,10 @@
       </p:sp>
       <p:pic>
         <p:nvPicPr>
-          <p:cNvPr id="9" name="그림 8">
-            <a:extLst>
-              <a:ext uri="{FF2B5EF4-FFF2-40B4-BE49-F238E27FC236}">
-                <a16:creationId xmlns:a16="http://schemas.microsoft.com/office/drawing/2014/main" id="{3260DBF9-5380-4A14-B094-4F8E990CC027}"/>
+          <p:cNvPr id="3" name="그림 2">
+            <a:extLst>
+              <a:ext uri="{FF2B5EF4-FFF2-40B4-BE49-F238E27FC236}">
+                <a16:creationId xmlns:a16="http://schemas.microsoft.com/office/drawing/2014/main" id="{950A8276-6752-4085-BB14-51623E76B7E0}"/>
               </a:ext>
             </a:extLst>
           </p:cNvPr>
@@ -4258,8 +4258,8 @@
         </p:blipFill>
         <p:spPr>
           <a:xfrm>
-            <a:off x="6985582" y="675366"/>
-            <a:ext cx="4495800" cy="5810250"/>
+            <a:off x="5886297" y="91679"/>
+            <a:ext cx="5113904" cy="6674641"/>
           </a:xfrm>
           <a:prstGeom prst="rect">
             <a:avLst/>
@@ -4332,12 +4332,120 @@
           </a:p>
         </p:txBody>
       </p:sp>
+      <p:sp>
+        <p:nvSpPr>
+          <p:cNvPr id="10" name="TextBox 9">
+            <a:extLst>
+              <a:ext uri="{FF2B5EF4-FFF2-40B4-BE49-F238E27FC236}">
+                <a16:creationId xmlns:a16="http://schemas.microsoft.com/office/drawing/2014/main" id="{F8B284E9-BDA4-44E4-AC7A-E8C34F946F92}"/>
+              </a:ext>
+            </a:extLst>
+          </p:cNvPr>
+          <p:cNvSpPr txBox="1"/>
+          <p:nvPr/>
+        </p:nvSpPr>
+        <p:spPr>
+          <a:xfrm>
+            <a:off x="1314276" y="1865867"/>
+            <a:ext cx="1407758" cy="369332"/>
+          </a:xfrm>
+          <a:prstGeom prst="rect">
+            <a:avLst/>
+          </a:prstGeom>
+          <a:noFill/>
+        </p:spPr>
+        <p:txBody>
+          <a:bodyPr wrap="none" rtlCol="0">
+            <a:spAutoFit/>
+          </a:bodyPr>
+          <a:lstStyle/>
+          <a:p>
+            <a:r>
+              <a:rPr lang="en-US" altLang="ko-KR" dirty="0"/>
+              <a:t>Alpha is 0.5</a:t>
+            </a:r>
+            <a:endParaRPr lang="ko-KR" altLang="en-US" dirty="0"/>
+          </a:p>
+        </p:txBody>
+      </p:sp>
+      <p:sp>
+        <p:nvSpPr>
+          <p:cNvPr id="11" name="TextBox 10">
+            <a:extLst>
+              <a:ext uri="{FF2B5EF4-FFF2-40B4-BE49-F238E27FC236}">
+                <a16:creationId xmlns:a16="http://schemas.microsoft.com/office/drawing/2014/main" id="{839ED5EC-D9E9-4CE0-9401-E2D8B0F44651}"/>
+              </a:ext>
+            </a:extLst>
+          </p:cNvPr>
+          <p:cNvSpPr txBox="1"/>
+          <p:nvPr/>
+        </p:nvSpPr>
+        <p:spPr>
+          <a:xfrm>
+            <a:off x="9318098" y="352387"/>
+            <a:ext cx="1534394" cy="369332"/>
+          </a:xfrm>
+          <a:prstGeom prst="rect">
+            <a:avLst/>
+          </a:prstGeom>
+          <a:noFill/>
+        </p:spPr>
+        <p:txBody>
+          <a:bodyPr wrap="none" rtlCol="0">
+            <a:spAutoFit/>
+          </a:bodyPr>
+          <a:lstStyle/>
+          <a:p>
+            <a:r>
+              <a:rPr lang="en-US" altLang="ko-KR" dirty="0"/>
+              <a:t>Alpha is 0.01</a:t>
+            </a:r>
+            <a:endParaRPr lang="ko-KR" altLang="en-US" dirty="0"/>
+          </a:p>
+        </p:txBody>
+      </p:sp>
+      <p:sp>
+        <p:nvSpPr>
+          <p:cNvPr id="12" name="TextBox 11">
+            <a:extLst>
+              <a:ext uri="{FF2B5EF4-FFF2-40B4-BE49-F238E27FC236}">
+                <a16:creationId xmlns:a16="http://schemas.microsoft.com/office/drawing/2014/main" id="{5B89764E-CACB-47A8-ACD9-447961AC4A7B}"/>
+              </a:ext>
+            </a:extLst>
+          </p:cNvPr>
+          <p:cNvSpPr txBox="1"/>
+          <p:nvPr/>
+        </p:nvSpPr>
+        <p:spPr>
+          <a:xfrm>
+            <a:off x="5281621" y="1865867"/>
+            <a:ext cx="1407758" cy="369332"/>
+          </a:xfrm>
+          <a:prstGeom prst="rect">
+            <a:avLst/>
+          </a:prstGeom>
+          <a:noFill/>
+        </p:spPr>
+        <p:txBody>
+          <a:bodyPr wrap="none" rtlCol="0">
+            <a:spAutoFit/>
+          </a:bodyPr>
+          <a:lstStyle/>
+          <a:p>
+            <a:r>
+              <a:rPr lang="en-US" altLang="ko-KR" dirty="0"/>
+              <a:t>Alpha is 0.1</a:t>
+            </a:r>
+            <a:endParaRPr lang="ko-KR" altLang="en-US" dirty="0"/>
+          </a:p>
+        </p:txBody>
+      </p:sp>
       <p:pic>
         <p:nvPicPr>
-          <p:cNvPr id="3" name="그림 2">
-            <a:extLst>
-              <a:ext uri="{FF2B5EF4-FFF2-40B4-BE49-F238E27FC236}">
-                <a16:creationId xmlns:a16="http://schemas.microsoft.com/office/drawing/2014/main" id="{EDE2583E-B155-4691-9D0E-EF2D2D61675A}"/>
+          <p:cNvPr id="13" name="그림 12">
+            <a:extLst>
+              <a:ext uri="{FF2B5EF4-FFF2-40B4-BE49-F238E27FC236}">
+                <a16:creationId xmlns:a16="http://schemas.microsoft.com/office/drawing/2014/main" id="{A75EB95A-5EA7-416F-AE0F-F5C4E32C50FB}"/>
               </a:ext>
             </a:extLst>
           </p:cNvPr>
@@ -4354,56 +4462,20 @@
         </p:blipFill>
         <p:spPr>
           <a:xfrm>
-            <a:off x="546561" y="2235199"/>
-            <a:ext cx="3138030" cy="4428029"/>
+            <a:off x="3698529" y="208256"/>
+            <a:ext cx="2990850" cy="1647825"/>
           </a:xfrm>
           <a:prstGeom prst="rect">
             <a:avLst/>
           </a:prstGeom>
         </p:spPr>
       </p:pic>
-      <p:sp>
-        <p:nvSpPr>
-          <p:cNvPr id="10" name="TextBox 9">
-            <a:extLst>
-              <a:ext uri="{FF2B5EF4-FFF2-40B4-BE49-F238E27FC236}">
-                <a16:creationId xmlns:a16="http://schemas.microsoft.com/office/drawing/2014/main" id="{F8B284E9-BDA4-44E4-AC7A-E8C34F946F92}"/>
-              </a:ext>
-            </a:extLst>
-          </p:cNvPr>
-          <p:cNvSpPr txBox="1"/>
-          <p:nvPr/>
-        </p:nvSpPr>
-        <p:spPr>
-          <a:xfrm>
-            <a:off x="1314276" y="1865867"/>
-            <a:ext cx="1407758" cy="369332"/>
-          </a:xfrm>
-          <a:prstGeom prst="rect">
-            <a:avLst/>
-          </a:prstGeom>
-          <a:noFill/>
-        </p:spPr>
-        <p:txBody>
-          <a:bodyPr wrap="none" rtlCol="0">
-            <a:spAutoFit/>
-          </a:bodyPr>
-          <a:lstStyle/>
-          <a:p>
-            <a:r>
-              <a:rPr lang="en-US" altLang="ko-KR" dirty="0"/>
-              <a:t>Alpha is 0.5</a:t>
-            </a:r>
-            <a:endParaRPr lang="ko-KR" altLang="en-US" dirty="0"/>
-          </a:p>
-        </p:txBody>
-      </p:sp>
       <p:pic>
         <p:nvPicPr>
-          <p:cNvPr id="4" name="그림 3">
-            <a:extLst>
-              <a:ext uri="{FF2B5EF4-FFF2-40B4-BE49-F238E27FC236}">
-                <a16:creationId xmlns:a16="http://schemas.microsoft.com/office/drawing/2014/main" id="{C7F220E2-7976-451E-959C-1D800F6A6C5B}"/>
+          <p:cNvPr id="2" name="그림 1">
+            <a:extLst>
+              <a:ext uri="{FF2B5EF4-FFF2-40B4-BE49-F238E27FC236}">
+                <a16:creationId xmlns:a16="http://schemas.microsoft.com/office/drawing/2014/main" id="{B77C4F57-2875-43FB-ADF5-15D4152E932C}"/>
               </a:ext>
             </a:extLst>
           </p:cNvPr>
@@ -4420,56 +4492,20 @@
         </p:blipFill>
         <p:spPr>
           <a:xfrm>
-            <a:off x="8498946" y="2317373"/>
-            <a:ext cx="3174399" cy="4428029"/>
+            <a:off x="414416" y="2196616"/>
+            <a:ext cx="3499858" cy="4661383"/>
           </a:xfrm>
           <a:prstGeom prst="rect">
             <a:avLst/>
           </a:prstGeom>
         </p:spPr>
       </p:pic>
-      <p:sp>
-        <p:nvSpPr>
-          <p:cNvPr id="11" name="TextBox 10">
-            <a:extLst>
-              <a:ext uri="{FF2B5EF4-FFF2-40B4-BE49-F238E27FC236}">
-                <a16:creationId xmlns:a16="http://schemas.microsoft.com/office/drawing/2014/main" id="{839ED5EC-D9E9-4CE0-9401-E2D8B0F44651}"/>
-              </a:ext>
-            </a:extLst>
-          </p:cNvPr>
-          <p:cNvSpPr txBox="1"/>
-          <p:nvPr/>
-        </p:nvSpPr>
-        <p:spPr>
-          <a:xfrm>
-            <a:off x="9382266" y="1865867"/>
-            <a:ext cx="1229824" cy="369332"/>
-          </a:xfrm>
-          <a:prstGeom prst="rect">
-            <a:avLst/>
-          </a:prstGeom>
-          <a:noFill/>
-        </p:spPr>
-        <p:txBody>
-          <a:bodyPr wrap="none" rtlCol="0">
-            <a:spAutoFit/>
-          </a:bodyPr>
-          <a:lstStyle/>
-          <a:p>
-            <a:r>
-              <a:rPr lang="en-US" altLang="ko-KR" dirty="0"/>
-              <a:t>Alpha is 5</a:t>
-            </a:r>
-            <a:endParaRPr lang="ko-KR" altLang="en-US" dirty="0"/>
-          </a:p>
-        </p:txBody>
-      </p:sp>
       <p:pic>
         <p:nvPicPr>
-          <p:cNvPr id="7" name="그림 6">
-            <a:extLst>
-              <a:ext uri="{FF2B5EF4-FFF2-40B4-BE49-F238E27FC236}">
-                <a16:creationId xmlns:a16="http://schemas.microsoft.com/office/drawing/2014/main" id="{5CAD51E1-8500-477A-9B65-0A600CD20070}"/>
+          <p:cNvPr id="5" name="그림 4">
+            <a:extLst>
+              <a:ext uri="{FF2B5EF4-FFF2-40B4-BE49-F238E27FC236}">
+                <a16:creationId xmlns:a16="http://schemas.microsoft.com/office/drawing/2014/main" id="{D9F466C6-3AC7-49D1-A307-9D363174D1AC}"/>
               </a:ext>
             </a:extLst>
           </p:cNvPr>
@@ -4486,56 +4522,20 @@
         </p:blipFill>
         <p:spPr>
           <a:xfrm>
-            <a:off x="4437514" y="2317373"/>
-            <a:ext cx="3095973" cy="4345855"/>
+            <a:off x="4363395" y="2235199"/>
+            <a:ext cx="3465209" cy="4622801"/>
           </a:xfrm>
           <a:prstGeom prst="rect">
             <a:avLst/>
           </a:prstGeom>
         </p:spPr>
       </p:pic>
-      <p:sp>
-        <p:nvSpPr>
-          <p:cNvPr id="12" name="TextBox 11">
-            <a:extLst>
-              <a:ext uri="{FF2B5EF4-FFF2-40B4-BE49-F238E27FC236}">
-                <a16:creationId xmlns:a16="http://schemas.microsoft.com/office/drawing/2014/main" id="{5B89764E-CACB-47A8-ACD9-447961AC4A7B}"/>
-              </a:ext>
-            </a:extLst>
-          </p:cNvPr>
-          <p:cNvSpPr txBox="1"/>
-          <p:nvPr/>
-        </p:nvSpPr>
-        <p:spPr>
-          <a:xfrm>
-            <a:off x="5281621" y="1865867"/>
-            <a:ext cx="1229824" cy="369332"/>
-          </a:xfrm>
-          <a:prstGeom prst="rect">
-            <a:avLst/>
-          </a:prstGeom>
-          <a:noFill/>
-        </p:spPr>
-        <p:txBody>
-          <a:bodyPr wrap="none" rtlCol="0">
-            <a:spAutoFit/>
-          </a:bodyPr>
-          <a:lstStyle/>
-          <a:p>
-            <a:r>
-              <a:rPr lang="en-US" altLang="ko-KR" dirty="0"/>
-              <a:t>Alpha is 2</a:t>
-            </a:r>
-            <a:endParaRPr lang="ko-KR" altLang="en-US" dirty="0"/>
-          </a:p>
-        </p:txBody>
-      </p:sp>
       <p:pic>
         <p:nvPicPr>
-          <p:cNvPr id="13" name="그림 12">
-            <a:extLst>
-              <a:ext uri="{FF2B5EF4-FFF2-40B4-BE49-F238E27FC236}">
-                <a16:creationId xmlns:a16="http://schemas.microsoft.com/office/drawing/2014/main" id="{A75EB95A-5EA7-416F-AE0F-F5C4E32C50FB}"/>
+          <p:cNvPr id="6" name="그림 5">
+            <a:extLst>
+              <a:ext uri="{FF2B5EF4-FFF2-40B4-BE49-F238E27FC236}">
+                <a16:creationId xmlns:a16="http://schemas.microsoft.com/office/drawing/2014/main" id="{6869FA5F-BBF2-4BA1-80E2-57295411B00E}"/>
               </a:ext>
             </a:extLst>
           </p:cNvPr>
@@ -4552,8 +4552,38 @@
         </p:blipFill>
         <p:spPr>
           <a:xfrm>
-            <a:off x="6228039" y="176955"/>
-            <a:ext cx="2990850" cy="1647825"/>
+            <a:off x="8320775" y="656886"/>
+            <a:ext cx="3384580" cy="5213282"/>
+          </a:xfrm>
+          <a:prstGeom prst="rect">
+            <a:avLst/>
+          </a:prstGeom>
+        </p:spPr>
+      </p:pic>
+      <p:pic>
+        <p:nvPicPr>
+          <p:cNvPr id="9" name="그림 8">
+            <a:extLst>
+              <a:ext uri="{FF2B5EF4-FFF2-40B4-BE49-F238E27FC236}">
+                <a16:creationId xmlns:a16="http://schemas.microsoft.com/office/drawing/2014/main" id="{7A4A4D00-1295-41D1-889C-D64362752A99}"/>
+              </a:ext>
+            </a:extLst>
+          </p:cNvPr>
+          <p:cNvPicPr>
+            <a:picLocks noChangeAspect="1"/>
+          </p:cNvPicPr>
+          <p:nvPr/>
+        </p:nvPicPr>
+        <p:blipFill>
+          <a:blip r:embed="rId6"/>
+          <a:stretch>
+            <a:fillRect/>
+          </a:stretch>
+        </p:blipFill>
+        <p:spPr>
+          <a:xfrm>
+            <a:off x="8448140" y="5870168"/>
+            <a:ext cx="3129850" cy="854216"/>
           </a:xfrm>
           <a:prstGeom prst="rect">
             <a:avLst/>
@@ -4677,7 +4707,7 @@
         <p:spPr>
           <a:xfrm>
             <a:off x="9382266" y="1865867"/>
-            <a:ext cx="1229824" cy="369332"/>
+            <a:ext cx="1534394" cy="369332"/>
           </a:xfrm>
           <a:prstGeom prst="rect">
             <a:avLst/>
@@ -4692,7 +4722,7 @@
           <a:p>
             <a:r>
               <a:rPr lang="en-US" altLang="ko-KR" dirty="0"/>
-              <a:t>Alpha is 5</a:t>
+              <a:t>Alpha is 0.01</a:t>
             </a:r>
             <a:endParaRPr lang="ko-KR" altLang="en-US" dirty="0"/>
           </a:p>
@@ -4713,7 +4743,7 @@
         <p:spPr>
           <a:xfrm>
             <a:off x="5281621" y="1865867"/>
-            <a:ext cx="1229824" cy="369332"/>
+            <a:ext cx="1407758" cy="369332"/>
           </a:xfrm>
           <a:prstGeom prst="rect">
             <a:avLst/>
@@ -4728,7 +4758,7 @@
           <a:p>
             <a:r>
               <a:rPr lang="en-US" altLang="ko-KR" dirty="0"/>
-              <a:t>Alpha is 2</a:t>
+              <a:t>Alpha is 0.1</a:t>
             </a:r>
             <a:endParaRPr lang="ko-KR" altLang="en-US" dirty="0"/>
           </a:p>
@@ -4766,10 +4796,10 @@
       </p:pic>
       <p:pic>
         <p:nvPicPr>
-          <p:cNvPr id="5" name="그림 4">
-            <a:extLst>
-              <a:ext uri="{FF2B5EF4-FFF2-40B4-BE49-F238E27FC236}">
-                <a16:creationId xmlns:a16="http://schemas.microsoft.com/office/drawing/2014/main" id="{51B62C46-A69D-4379-B31D-30E6C4F9F9C7}"/>
+          <p:cNvPr id="3" name="그림 2">
+            <a:extLst>
+              <a:ext uri="{FF2B5EF4-FFF2-40B4-BE49-F238E27FC236}">
+                <a16:creationId xmlns:a16="http://schemas.microsoft.com/office/drawing/2014/main" id="{222E8735-A202-496D-AA6D-1CBEBA738F19}"/>
               </a:ext>
             </a:extLst>
           </p:cNvPr>
@@ -4786,8 +4816,8 @@
         </p:blipFill>
         <p:spPr>
           <a:xfrm>
-            <a:off x="638423" y="2317373"/>
-            <a:ext cx="3139072" cy="4345855"/>
+            <a:off x="432973" y="2235199"/>
+            <a:ext cx="3413237" cy="4470239"/>
           </a:xfrm>
           <a:prstGeom prst="rect">
             <a:avLst/>
@@ -4796,10 +4826,10 @@
       </p:pic>
       <p:pic>
         <p:nvPicPr>
-          <p:cNvPr id="6" name="그림 5">
-            <a:extLst>
-              <a:ext uri="{FF2B5EF4-FFF2-40B4-BE49-F238E27FC236}">
-                <a16:creationId xmlns:a16="http://schemas.microsoft.com/office/drawing/2014/main" id="{2EEB3028-45A4-4458-9F25-788CD4D43571}"/>
+          <p:cNvPr id="4" name="그림 3">
+            <a:extLst>
+              <a:ext uri="{FF2B5EF4-FFF2-40B4-BE49-F238E27FC236}">
+                <a16:creationId xmlns:a16="http://schemas.microsoft.com/office/drawing/2014/main" id="{46ABFEA8-76CE-4B86-BC17-9DB7D27C84A6}"/>
               </a:ext>
             </a:extLst>
           </p:cNvPr>
@@ -4816,8 +4846,8 @@
         </p:blipFill>
         <p:spPr>
           <a:xfrm>
-            <a:off x="4332273" y="2312068"/>
-            <a:ext cx="3128520" cy="4351160"/>
+            <a:off x="4255169" y="2287597"/>
+            <a:ext cx="3413237" cy="4457805"/>
           </a:xfrm>
           <a:prstGeom prst="rect">
             <a:avLst/>
@@ -4826,10 +4856,10 @@
       </p:pic>
       <p:pic>
         <p:nvPicPr>
-          <p:cNvPr id="9" name="그림 8">
-            <a:extLst>
-              <a:ext uri="{FF2B5EF4-FFF2-40B4-BE49-F238E27FC236}">
-                <a16:creationId xmlns:a16="http://schemas.microsoft.com/office/drawing/2014/main" id="{E57C1817-D460-45E0-98AD-F3307C73B408}"/>
+          <p:cNvPr id="7" name="그림 6">
+            <a:extLst>
+              <a:ext uri="{FF2B5EF4-FFF2-40B4-BE49-F238E27FC236}">
+                <a16:creationId xmlns:a16="http://schemas.microsoft.com/office/drawing/2014/main" id="{FE52736B-78A2-4B9C-A316-61BA267A434B}"/>
               </a:ext>
             </a:extLst>
           </p:cNvPr>
@@ -4846,8 +4876,8 @@
         </p:blipFill>
         <p:spPr>
           <a:xfrm>
-            <a:off x="8414507" y="2312068"/>
-            <a:ext cx="3222421" cy="4438152"/>
+            <a:off x="8169131" y="2287597"/>
+            <a:ext cx="3413237" cy="4440878"/>
           </a:xfrm>
           <a:prstGeom prst="rect">
             <a:avLst/>
